--- a/Báo cáo đồ án tốt nghiệp (1).pptx
+++ b/Báo cáo đồ án tốt nghiệp (1).pptx
@@ -278,7 +278,7 @@
           <a:p>
             <a:fld id="{82EDB8D0-98ED-4B86-9D5F-E61ADC70144D}" type="datetimeFigureOut">
               <a:rPr lang="en-US" smtClean="0"/>
-              <a:t>3/23/2021</a:t>
+              <a:t>3/30/2021</a:t>
             </a:fld>
             <a:endParaRPr lang="en-US" dirty="0"/>
           </a:p>
@@ -693,7 +693,7 @@
           <a:p>
             <a:fld id="{82EDB8D0-98ED-4B86-9D5F-E61ADC70144D}" type="datetimeFigureOut">
               <a:rPr lang="en-US" smtClean="0"/>
-              <a:t>3/23/2021</a:t>
+              <a:t>3/30/2021</a:t>
             </a:fld>
             <a:endParaRPr lang="en-US"/>
           </a:p>
@@ -1185,7 +1185,7 @@
           <a:p>
             <a:fld id="{82EDB8D0-98ED-4B86-9D5F-E61ADC70144D}" type="datetimeFigureOut">
               <a:rPr lang="en-US" smtClean="0"/>
-              <a:t>3/23/2021</a:t>
+              <a:t>3/30/2021</a:t>
             </a:fld>
             <a:endParaRPr lang="en-US"/>
           </a:p>
@@ -1672,7 +1672,7 @@
           <a:p>
             <a:fld id="{82EDB8D0-98ED-4B86-9D5F-E61ADC70144D}" type="datetimeFigureOut">
               <a:rPr lang="en-US" smtClean="0"/>
-              <a:t>3/23/2021</a:t>
+              <a:t>3/30/2021</a:t>
             </a:fld>
             <a:endParaRPr lang="en-US" dirty="0"/>
           </a:p>
@@ -2441,7 +2441,7 @@
           <a:p>
             <a:fld id="{82EDB8D0-98ED-4B86-9D5F-E61ADC70144D}" type="datetimeFigureOut">
               <a:rPr lang="en-US" smtClean="0"/>
-              <a:t>3/23/2021</a:t>
+              <a:t>3/30/2021</a:t>
             </a:fld>
             <a:endParaRPr lang="en-US"/>
           </a:p>
@@ -2923,7 +2923,7 @@
           <a:p>
             <a:fld id="{82EDB8D0-98ED-4B86-9D5F-E61ADC70144D}" type="datetimeFigureOut">
               <a:rPr lang="en-US" smtClean="0"/>
-              <a:t>3/23/2021</a:t>
+              <a:t>3/30/2021</a:t>
             </a:fld>
             <a:endParaRPr lang="en-US"/>
           </a:p>
@@ -3619,7 +3619,7 @@
           <a:p>
             <a:fld id="{82EDB8D0-98ED-4B86-9D5F-E61ADC70144D}" type="datetimeFigureOut">
               <a:rPr lang="en-US" smtClean="0"/>
-              <a:t>3/23/2021</a:t>
+              <a:t>3/30/2021</a:t>
             </a:fld>
             <a:endParaRPr lang="en-US"/>
           </a:p>
@@ -4044,7 +4044,7 @@
           <a:p>
             <a:fld id="{82EDB8D0-98ED-4B86-9D5F-E61ADC70144D}" type="datetimeFigureOut">
               <a:rPr lang="en-US" smtClean="0"/>
-              <a:t>3/23/2021</a:t>
+              <a:t>3/30/2021</a:t>
             </a:fld>
             <a:endParaRPr lang="en-US"/>
           </a:p>
@@ -4441,7 +4441,7 @@
           <a:p>
             <a:fld id="{82EDB8D0-98ED-4B86-9D5F-E61ADC70144D}" type="datetimeFigureOut">
               <a:rPr lang="en-US" smtClean="0"/>
-              <a:t>3/23/2021</a:t>
+              <a:t>3/30/2021</a:t>
             </a:fld>
             <a:endParaRPr lang="en-US"/>
           </a:p>
@@ -5036,7 +5036,7 @@
           <a:p>
             <a:fld id="{82EDB8D0-98ED-4B86-9D5F-E61ADC70144D}" type="datetimeFigureOut">
               <a:rPr lang="en-US" smtClean="0"/>
-              <a:t>3/23/2021</a:t>
+              <a:t>3/30/2021</a:t>
             </a:fld>
             <a:endParaRPr lang="en-US"/>
           </a:p>
@@ -5611,7 +5611,7 @@
           <a:p>
             <a:fld id="{82EDB8D0-98ED-4B86-9D5F-E61ADC70144D}" type="datetimeFigureOut">
               <a:rPr lang="en-US" smtClean="0"/>
-              <a:t>3/23/2021</a:t>
+              <a:t>3/30/2021</a:t>
             </a:fld>
             <a:endParaRPr lang="en-US"/>
           </a:p>
@@ -6138,7 +6138,7 @@
             <a:fld id="{82EDB8D0-98ED-4B86-9D5F-E61ADC70144D}" type="datetimeFigureOut">
               <a:rPr lang="en-US" smtClean="0"/>
               <a:pPr/>
-              <a:t>3/23/2021</a:t>
+              <a:t>3/30/2021</a:t>
             </a:fld>
             <a:endParaRPr lang="en-US" dirty="0"/>
           </a:p>
@@ -7696,18 +7696,6 @@
             </a:r>
           </a:p>
           <a:p>
-            <a:pPr marL="628650" indent="-457200" algn="l">
-              <a:buAutoNum type="arabicPeriod"/>
-            </a:pPr>
-            <a:r>
-              <a:rPr lang="en-US" dirty="0">
-                <a:latin typeface="Arial"/>
-                <a:cs typeface="Arial"/>
-              </a:rPr>
-              <a:t>ĐOÀN ĐÌNH THÀNH</a:t>
-            </a:r>
-          </a:p>
-          <a:p>
             <a:pPr marL="57150" indent="-228600" algn="l">
               <a:buFont typeface="Arial" panose="020B0604020202020204" pitchFamily="34" charset="0"/>
               <a:buChar char="•"/>
